--- a/C111118121柳健棠_系統分析與設計.pptx
+++ b/C111118121柳健棠_系統分析與設計.pptx
@@ -5,7 +5,7 @@
     <p:sldMasterId id="2147483648" r:id="rId1"/>
   </p:sldMasterIdLst>
   <p:notesMasterIdLst>
-    <p:notesMasterId r:id="rId20"/>
+    <p:notesMasterId r:id="rId22"/>
   </p:notesMasterIdLst>
   <p:sldIdLst>
     <p:sldId id="256" r:id="rId2"/>
@@ -13,19 +13,21 @@
     <p:sldId id="274" r:id="rId4"/>
     <p:sldId id="258" r:id="rId5"/>
     <p:sldId id="259" r:id="rId6"/>
-    <p:sldId id="260" r:id="rId7"/>
-    <p:sldId id="261" r:id="rId8"/>
-    <p:sldId id="262" r:id="rId9"/>
-    <p:sldId id="263" r:id="rId10"/>
-    <p:sldId id="264" r:id="rId11"/>
-    <p:sldId id="265" r:id="rId12"/>
-    <p:sldId id="266" r:id="rId13"/>
-    <p:sldId id="267" r:id="rId14"/>
-    <p:sldId id="268" r:id="rId15"/>
-    <p:sldId id="269" r:id="rId16"/>
-    <p:sldId id="270" r:id="rId17"/>
-    <p:sldId id="271" r:id="rId18"/>
-    <p:sldId id="275" r:id="rId19"/>
+    <p:sldId id="276" r:id="rId7"/>
+    <p:sldId id="277" r:id="rId8"/>
+    <p:sldId id="260" r:id="rId9"/>
+    <p:sldId id="261" r:id="rId10"/>
+    <p:sldId id="262" r:id="rId11"/>
+    <p:sldId id="263" r:id="rId12"/>
+    <p:sldId id="264" r:id="rId13"/>
+    <p:sldId id="265" r:id="rId14"/>
+    <p:sldId id="266" r:id="rId15"/>
+    <p:sldId id="267" r:id="rId16"/>
+    <p:sldId id="268" r:id="rId17"/>
+    <p:sldId id="269" r:id="rId18"/>
+    <p:sldId id="270" r:id="rId19"/>
+    <p:sldId id="271" r:id="rId20"/>
+    <p:sldId id="275" r:id="rId21"/>
   </p:sldIdLst>
   <p:sldSz cx="12192000" cy="6858000"/>
   <p:notesSz cx="6858000" cy="9144000"/>
@@ -7181,7 +7183,7 @@
           <a:p>
             <a:fld id="{2E0E3968-0FB4-4892-BC20-0875A7BD7CA4}" type="slidenum">
               <a:rPr lang="zh-TW" altLang="en-US" smtClean="0"/>
-              <a:t>18</a:t>
+              <a:t>20</a:t>
             </a:fld>
             <a:endParaRPr lang="zh-TW" altLang="en-US"/>
           </a:p>
@@ -10610,7 +10612,7 @@
         <p:cNvPr id="1" name="">
           <a:extLst>
             <a:ext uri="{FF2B5EF4-FFF2-40B4-BE49-F238E27FC236}">
-              <a16:creationId xmlns:a16="http://schemas.microsoft.com/office/drawing/2014/main" id="{786097FE-D2AA-339E-B35B-FED1B110C364}"/>
+              <a16:creationId xmlns:a16="http://schemas.microsoft.com/office/drawing/2014/main" id="{47D9FBC5-81F7-E690-DC1B-C9A8EC9831F7}"/>
             </a:ext>
           </a:extLst>
         </p:cNvPr>
@@ -10630,7 +10632,7 @@
           <p:cNvPr id="18" name="Down Arrow 7">
             <a:extLst>
               <a:ext uri="{FF2B5EF4-FFF2-40B4-BE49-F238E27FC236}">
-                <a16:creationId xmlns:a16="http://schemas.microsoft.com/office/drawing/2014/main" id="{C1DA3ED6-6BC3-8DC4-35FB-3FB5DB3A730A}"/>
+                <a16:creationId xmlns:a16="http://schemas.microsoft.com/office/drawing/2014/main" id="{1A8150C5-24DE-DCCF-1F02-40F3516F6A2A}"/>
               </a:ext>
               <a:ext uri="{C183D7F6-B498-43B3-948B-1728B52AA6E4}">
                 <adec:decorative xmlns:adec="http://schemas.microsoft.com/office/drawing/2017/decorative" val="1"/>
@@ -10696,7 +10698,7 @@
           <p:cNvPr id="2" name="標題 1">
             <a:extLst>
               <a:ext uri="{FF2B5EF4-FFF2-40B4-BE49-F238E27FC236}">
-                <a16:creationId xmlns:a16="http://schemas.microsoft.com/office/drawing/2014/main" id="{7AA48519-6B6A-6A27-6AF1-0EBA73F4C06D}"/>
+                <a16:creationId xmlns:a16="http://schemas.microsoft.com/office/drawing/2014/main" id="{7C9C3A96-FAEC-B7CB-1103-B6AD8CE4F348}"/>
               </a:ext>
             </a:extLst>
           </p:cNvPr>
@@ -10735,17 +10737,17 @@
                   <a:srgbClr val="FFFFFF"/>
                 </a:solidFill>
               </a:rPr>
-              <a:t>活動圖</a:t>
+              <a:t>類別圖</a:t>
             </a:r>
           </a:p>
         </p:txBody>
       </p:sp>
       <p:pic>
         <p:nvPicPr>
-          <p:cNvPr id="5124" name="Picture 4" descr="AD">
+          <p:cNvPr id="3074" name="Picture 2" descr="CD">
             <a:extLst>
               <a:ext uri="{FF2B5EF4-FFF2-40B4-BE49-F238E27FC236}">
-                <a16:creationId xmlns:a16="http://schemas.microsoft.com/office/drawing/2014/main" id="{2CAFDC6E-301C-52D4-01CD-D5FD887FDBBF}"/>
+                <a16:creationId xmlns:a16="http://schemas.microsoft.com/office/drawing/2014/main" id="{6237D727-B179-C22F-7B4F-EDDAC4EA7C18}"/>
               </a:ext>
             </a:extLst>
           </p:cNvPr>
@@ -10769,8 +10771,8 @@
         </p:blipFill>
         <p:spPr bwMode="auto">
           <a:xfrm>
-            <a:off x="3761187" y="1318930"/>
-            <a:ext cx="8430813" cy="3965051"/>
+            <a:off x="5143344" y="233362"/>
+            <a:ext cx="6105525" cy="6391275"/>
           </a:xfrm>
           <a:prstGeom prst="rect">
             <a:avLst/>
@@ -10790,7 +10792,7 @@
     </p:spTree>
     <p:extLst>
       <p:ext uri="{BB962C8B-B14F-4D97-AF65-F5344CB8AC3E}">
-        <p14:creationId xmlns:p14="http://schemas.microsoft.com/office/powerpoint/2010/main" val="701500112"/>
+        <p14:creationId xmlns:p14="http://schemas.microsoft.com/office/powerpoint/2010/main" val="4162075062"/>
       </p:ext>
     </p:extLst>
   </p:cSld>
@@ -10816,7 +10818,7 @@
         <p:cNvPr id="1" name="">
           <a:extLst>
             <a:ext uri="{FF2B5EF4-FFF2-40B4-BE49-F238E27FC236}">
-              <a16:creationId xmlns:a16="http://schemas.microsoft.com/office/drawing/2014/main" id="{852A4869-0420-CB31-577C-02121C21D7B8}"/>
+              <a16:creationId xmlns:a16="http://schemas.microsoft.com/office/drawing/2014/main" id="{83DAF0D4-BD49-44F2-0361-1660EB81F859}"/>
             </a:ext>
           </a:extLst>
         </p:cNvPr>
@@ -10836,7 +10838,7 @@
           <p:cNvPr id="18" name="Down Arrow 7">
             <a:extLst>
               <a:ext uri="{FF2B5EF4-FFF2-40B4-BE49-F238E27FC236}">
-                <a16:creationId xmlns:a16="http://schemas.microsoft.com/office/drawing/2014/main" id="{A494E27D-DB69-1B07-39F5-A9ABD131BA34}"/>
+                <a16:creationId xmlns:a16="http://schemas.microsoft.com/office/drawing/2014/main" id="{4656AB8B-E281-3FF0-984D-7ABDA3E43FDF}"/>
               </a:ext>
               <a:ext uri="{C183D7F6-B498-43B3-948B-1728B52AA6E4}">
                 <adec:decorative xmlns:adec="http://schemas.microsoft.com/office/drawing/2017/decorative" val="1"/>
@@ -10902,7 +10904,7 @@
           <p:cNvPr id="2" name="標題 1">
             <a:extLst>
               <a:ext uri="{FF2B5EF4-FFF2-40B4-BE49-F238E27FC236}">
-                <a16:creationId xmlns:a16="http://schemas.microsoft.com/office/drawing/2014/main" id="{00DBC15A-4A4A-6535-81A8-4D885CF989DF}"/>
+                <a16:creationId xmlns:a16="http://schemas.microsoft.com/office/drawing/2014/main" id="{C375C938-5392-665A-547D-EFE06DACC57B}"/>
               </a:ext>
             </a:extLst>
           </p:cNvPr>
@@ -10928,65 +10930,75 @@
           <a:p>
             <a:pPr algn="ctr"/>
             <a:r>
-              <a:rPr lang="zh-TW" altLang="en-US" sz="3600" dirty="0">
-                <a:solidFill>
-                  <a:srgbClr val="FFFFFF"/>
-                </a:solidFill>
-              </a:rPr>
-              <a:t>分鏡板</a:t>
-            </a:r>
-            <a:br>
               <a:rPr lang="en-US" altLang="zh-TW" sz="3600" dirty="0">
                 <a:solidFill>
                   <a:srgbClr val="FFFFFF"/>
                 </a:solidFill>
               </a:rPr>
-            </a:br>
+              <a:t>UML</a:t>
+            </a:r>
             <a:r>
               <a:rPr lang="zh-TW" altLang="en-US" sz="3600" dirty="0">
                 <a:solidFill>
                   <a:srgbClr val="FFFFFF"/>
                 </a:solidFill>
               </a:rPr>
-              <a:t>標題畫面</a:t>
+              <a:t>循序圖</a:t>
             </a:r>
           </a:p>
         </p:txBody>
       </p:sp>
       <p:pic>
         <p:nvPicPr>
-          <p:cNvPr id="4" name="圖片 3">
+          <p:cNvPr id="4098" name="Picture 2" descr="SD">
             <a:extLst>
               <a:ext uri="{FF2B5EF4-FFF2-40B4-BE49-F238E27FC236}">
-                <a16:creationId xmlns:a16="http://schemas.microsoft.com/office/drawing/2014/main" id="{54742EFD-20DF-FDF0-AF64-DCEC1B9D5FFA}"/>
+                <a16:creationId xmlns:a16="http://schemas.microsoft.com/office/drawing/2014/main" id="{7B184A96-46CC-F4EC-9E20-659699F4A28E}"/>
               </a:ext>
             </a:extLst>
           </p:cNvPr>
           <p:cNvPicPr>
-            <a:picLocks noChangeAspect="1"/>
+            <a:picLocks noChangeAspect="1" noChangeArrowheads="1"/>
           </p:cNvPicPr>
           <p:nvPr/>
         </p:nvPicPr>
         <p:blipFill>
-          <a:blip r:embed="rId2"/>
+          <a:blip r:embed="rId2">
+            <a:extLst>
+              <a:ext uri="{28A0092B-C50C-407E-A947-70E740481C1C}">
+                <a14:useLocalDpi xmlns:a14="http://schemas.microsoft.com/office/drawing/2010/main" val="0"/>
+              </a:ext>
+            </a:extLst>
+          </a:blip>
+          <a:srcRect/>
           <a:stretch>
             <a:fillRect/>
           </a:stretch>
         </p:blipFill>
-        <p:spPr>
+        <p:spPr bwMode="auto">
           <a:xfrm>
-            <a:off x="4249546" y="1117871"/>
-            <a:ext cx="7832725" cy="4622258"/>
+            <a:off x="4527804" y="736042"/>
+            <a:ext cx="7490025" cy="5385916"/>
           </a:xfrm>
           <a:prstGeom prst="rect">
             <a:avLst/>
           </a:prstGeom>
+          <a:noFill/>
+          <a:extLst>
+            <a:ext uri="{909E8E84-426E-40DD-AFC4-6F175D3DCCD1}">
+              <a14:hiddenFill xmlns:a14="http://schemas.microsoft.com/office/drawing/2010/main">
+                <a:solidFill>
+                  <a:srgbClr val="FFFFFF"/>
+                </a:solidFill>
+              </a14:hiddenFill>
+            </a:ext>
+          </a:extLst>
         </p:spPr>
       </p:pic>
     </p:spTree>
     <p:extLst>
       <p:ext uri="{BB962C8B-B14F-4D97-AF65-F5344CB8AC3E}">
-        <p14:creationId xmlns:p14="http://schemas.microsoft.com/office/powerpoint/2010/main" val="1778694415"/>
+        <p14:creationId xmlns:p14="http://schemas.microsoft.com/office/powerpoint/2010/main" val="3586292411"/>
       </p:ext>
     </p:extLst>
   </p:cSld>
@@ -11012,7 +11024,7 @@
         <p:cNvPr id="1" name="">
           <a:extLst>
             <a:ext uri="{FF2B5EF4-FFF2-40B4-BE49-F238E27FC236}">
-              <a16:creationId xmlns:a16="http://schemas.microsoft.com/office/drawing/2014/main" id="{2616AC08-64FF-6E66-7771-A4B862BAAAAA}"/>
+              <a16:creationId xmlns:a16="http://schemas.microsoft.com/office/drawing/2014/main" id="{786097FE-D2AA-339E-B35B-FED1B110C364}"/>
             </a:ext>
           </a:extLst>
         </p:cNvPr>
@@ -11032,7 +11044,7 @@
           <p:cNvPr id="18" name="Down Arrow 7">
             <a:extLst>
               <a:ext uri="{FF2B5EF4-FFF2-40B4-BE49-F238E27FC236}">
-                <a16:creationId xmlns:a16="http://schemas.microsoft.com/office/drawing/2014/main" id="{FE02B1DB-3E62-1B84-9FD8-20EDA365E3EF}"/>
+                <a16:creationId xmlns:a16="http://schemas.microsoft.com/office/drawing/2014/main" id="{C1DA3ED6-6BC3-8DC4-35FB-3FB5DB3A730A}"/>
               </a:ext>
               <a:ext uri="{C183D7F6-B498-43B3-948B-1728B52AA6E4}">
                 <adec:decorative xmlns:adec="http://schemas.microsoft.com/office/drawing/2017/decorative" val="1"/>
@@ -11098,7 +11110,7 @@
           <p:cNvPr id="2" name="標題 1">
             <a:extLst>
               <a:ext uri="{FF2B5EF4-FFF2-40B4-BE49-F238E27FC236}">
-                <a16:creationId xmlns:a16="http://schemas.microsoft.com/office/drawing/2014/main" id="{B782B936-8C90-075B-C864-452947CE147A}"/>
+                <a16:creationId xmlns:a16="http://schemas.microsoft.com/office/drawing/2014/main" id="{7AA48519-6B6A-6A27-6AF1-0EBA73F4C06D}"/>
               </a:ext>
             </a:extLst>
           </p:cNvPr>
@@ -11124,42 +11136,35 @@
           <a:p>
             <a:pPr algn="ctr"/>
             <a:r>
-              <a:rPr lang="zh-TW" altLang="en-US" sz="3600" dirty="0">
-                <a:solidFill>
-                  <a:srgbClr val="FFFFFF"/>
-                </a:solidFill>
-              </a:rPr>
-              <a:t>分鏡板</a:t>
-            </a:r>
-            <a:br>
               <a:rPr lang="en-US" altLang="zh-TW" sz="3600" dirty="0">
                 <a:solidFill>
                   <a:srgbClr val="FFFFFF"/>
                 </a:solidFill>
               </a:rPr>
-            </a:br>
+              <a:t>UML</a:t>
+            </a:r>
             <a:r>
               <a:rPr lang="zh-TW" altLang="en-US" sz="3600" dirty="0">
                 <a:solidFill>
                   <a:srgbClr val="FFFFFF"/>
                 </a:solidFill>
               </a:rPr>
-              <a:t>存讀檔</a:t>
+              <a:t>活動圖</a:t>
             </a:r>
           </a:p>
         </p:txBody>
       </p:sp>
       <p:pic>
         <p:nvPicPr>
-          <p:cNvPr id="4" name="圖片 3">
+          <p:cNvPr id="5124" name="Picture 4" descr="AD">
             <a:extLst>
               <a:ext uri="{FF2B5EF4-FFF2-40B4-BE49-F238E27FC236}">
-                <a16:creationId xmlns:a16="http://schemas.microsoft.com/office/drawing/2014/main" id="{9D783746-53C0-E2EE-7862-6B9086A86507}"/>
+                <a16:creationId xmlns:a16="http://schemas.microsoft.com/office/drawing/2014/main" id="{2CAFDC6E-301C-52D4-01CD-D5FD887FDBBF}"/>
               </a:ext>
             </a:extLst>
           </p:cNvPr>
           <p:cNvPicPr>
-            <a:picLocks noChangeAspect="1"/>
+            <a:picLocks noChangeAspect="1" noChangeArrowheads="1"/>
           </p:cNvPicPr>
           <p:nvPr/>
         </p:nvPicPr>
@@ -11172,22 +11177,34 @@
             </a:extLst>
           </a:blip>
           <a:srcRect/>
-          <a:stretch/>
+          <a:stretch>
+            <a:fillRect/>
+          </a:stretch>
         </p:blipFill>
-        <p:spPr>
+        <p:spPr bwMode="auto">
           <a:xfrm>
-            <a:off x="4249546" y="1117871"/>
-            <a:ext cx="7832725" cy="4622257"/>
+            <a:off x="3761187" y="1318930"/>
+            <a:ext cx="8430813" cy="3965051"/>
           </a:xfrm>
           <a:prstGeom prst="rect">
             <a:avLst/>
           </a:prstGeom>
+          <a:noFill/>
+          <a:extLst>
+            <a:ext uri="{909E8E84-426E-40DD-AFC4-6F175D3DCCD1}">
+              <a14:hiddenFill xmlns:a14="http://schemas.microsoft.com/office/drawing/2010/main">
+                <a:solidFill>
+                  <a:srgbClr val="FFFFFF"/>
+                </a:solidFill>
+              </a14:hiddenFill>
+            </a:ext>
+          </a:extLst>
         </p:spPr>
       </p:pic>
     </p:spTree>
     <p:extLst>
       <p:ext uri="{BB962C8B-B14F-4D97-AF65-F5344CB8AC3E}">
-        <p14:creationId xmlns:p14="http://schemas.microsoft.com/office/powerpoint/2010/main" val="762840262"/>
+        <p14:creationId xmlns:p14="http://schemas.microsoft.com/office/powerpoint/2010/main" val="701500112"/>
       </p:ext>
     </p:extLst>
   </p:cSld>
@@ -11213,7 +11230,7 @@
         <p:cNvPr id="1" name="">
           <a:extLst>
             <a:ext uri="{FF2B5EF4-FFF2-40B4-BE49-F238E27FC236}">
-              <a16:creationId xmlns:a16="http://schemas.microsoft.com/office/drawing/2014/main" id="{9BA1D192-EC97-4805-AEC3-F81E4C92B50B}"/>
+              <a16:creationId xmlns:a16="http://schemas.microsoft.com/office/drawing/2014/main" id="{852A4869-0420-CB31-577C-02121C21D7B8}"/>
             </a:ext>
           </a:extLst>
         </p:cNvPr>
@@ -11233,7 +11250,7 @@
           <p:cNvPr id="18" name="Down Arrow 7">
             <a:extLst>
               <a:ext uri="{FF2B5EF4-FFF2-40B4-BE49-F238E27FC236}">
-                <a16:creationId xmlns:a16="http://schemas.microsoft.com/office/drawing/2014/main" id="{A0AC4DE0-712A-3AE9-5D2B-60FC4497799D}"/>
+                <a16:creationId xmlns:a16="http://schemas.microsoft.com/office/drawing/2014/main" id="{A494E27D-DB69-1B07-39F5-A9ABD131BA34}"/>
               </a:ext>
               <a:ext uri="{C183D7F6-B498-43B3-948B-1728B52AA6E4}">
                 <adec:decorative xmlns:adec="http://schemas.microsoft.com/office/drawing/2017/decorative" val="1"/>
@@ -11299,7 +11316,7 @@
           <p:cNvPr id="2" name="標題 1">
             <a:extLst>
               <a:ext uri="{FF2B5EF4-FFF2-40B4-BE49-F238E27FC236}">
-                <a16:creationId xmlns:a16="http://schemas.microsoft.com/office/drawing/2014/main" id="{F2D0087C-115E-36CB-E8EA-BF30EBB57419}"/>
+                <a16:creationId xmlns:a16="http://schemas.microsoft.com/office/drawing/2014/main" id="{00DBC15A-4A4A-6535-81A8-4D885CF989DF}"/>
               </a:ext>
             </a:extLst>
           </p:cNvPr>
@@ -11345,7 +11362,7 @@
                   <a:srgbClr val="FFFFFF"/>
                 </a:solidFill>
               </a:rPr>
-              <a:t>背包</a:t>
+              <a:t>標題畫面</a:t>
             </a:r>
           </a:p>
         </p:txBody>
@@ -11355,7 +11372,7 @@
           <p:cNvPr id="4" name="圖片 3">
             <a:extLst>
               <a:ext uri="{FF2B5EF4-FFF2-40B4-BE49-F238E27FC236}">
-                <a16:creationId xmlns:a16="http://schemas.microsoft.com/office/drawing/2014/main" id="{7A70A1E3-22E4-B3A6-0944-CD65CF858903}"/>
+                <a16:creationId xmlns:a16="http://schemas.microsoft.com/office/drawing/2014/main" id="{54742EFD-20DF-FDF0-AF64-DCEC1B9D5FFA}"/>
               </a:ext>
             </a:extLst>
           </p:cNvPr>
@@ -11365,20 +11382,15 @@
           <p:nvPr/>
         </p:nvPicPr>
         <p:blipFill>
-          <a:blip r:embed="rId2">
-            <a:extLst>
-              <a:ext uri="{28A0092B-C50C-407E-A947-70E740481C1C}">
-                <a14:useLocalDpi xmlns:a14="http://schemas.microsoft.com/office/drawing/2010/main" val="0"/>
-              </a:ext>
-            </a:extLst>
-          </a:blip>
-          <a:srcRect/>
-          <a:stretch/>
+          <a:blip r:embed="rId2"/>
+          <a:stretch>
+            <a:fillRect/>
+          </a:stretch>
         </p:blipFill>
         <p:spPr>
           <a:xfrm>
-            <a:off x="4249547" y="1117871"/>
-            <a:ext cx="7832723" cy="4622257"/>
+            <a:off x="4249546" y="1117871"/>
+            <a:ext cx="7832725" cy="4622258"/>
           </a:xfrm>
           <a:prstGeom prst="rect">
             <a:avLst/>
@@ -11388,7 +11400,7 @@
     </p:spTree>
     <p:extLst>
       <p:ext uri="{BB962C8B-B14F-4D97-AF65-F5344CB8AC3E}">
-        <p14:creationId xmlns:p14="http://schemas.microsoft.com/office/powerpoint/2010/main" val="2827777200"/>
+        <p14:creationId xmlns:p14="http://schemas.microsoft.com/office/powerpoint/2010/main" val="1778694415"/>
       </p:ext>
     </p:extLst>
   </p:cSld>
@@ -11414,7 +11426,7 @@
         <p:cNvPr id="1" name="">
           <a:extLst>
             <a:ext uri="{FF2B5EF4-FFF2-40B4-BE49-F238E27FC236}">
-              <a16:creationId xmlns:a16="http://schemas.microsoft.com/office/drawing/2014/main" id="{A8F39231-DB41-D49B-4717-A65B8D4E3CC7}"/>
+              <a16:creationId xmlns:a16="http://schemas.microsoft.com/office/drawing/2014/main" id="{2616AC08-64FF-6E66-7771-A4B862BAAAAA}"/>
             </a:ext>
           </a:extLst>
         </p:cNvPr>
@@ -11434,7 +11446,7 @@
           <p:cNvPr id="18" name="Down Arrow 7">
             <a:extLst>
               <a:ext uri="{FF2B5EF4-FFF2-40B4-BE49-F238E27FC236}">
-                <a16:creationId xmlns:a16="http://schemas.microsoft.com/office/drawing/2014/main" id="{FE8C61AF-7316-4078-E7DB-C4EAF4F58A7F}"/>
+                <a16:creationId xmlns:a16="http://schemas.microsoft.com/office/drawing/2014/main" id="{FE02B1DB-3E62-1B84-9FD8-20EDA365E3EF}"/>
               </a:ext>
               <a:ext uri="{C183D7F6-B498-43B3-948B-1728B52AA6E4}">
                 <adec:decorative xmlns:adec="http://schemas.microsoft.com/office/drawing/2017/decorative" val="1"/>
@@ -11500,7 +11512,7 @@
           <p:cNvPr id="2" name="標題 1">
             <a:extLst>
               <a:ext uri="{FF2B5EF4-FFF2-40B4-BE49-F238E27FC236}">
-                <a16:creationId xmlns:a16="http://schemas.microsoft.com/office/drawing/2014/main" id="{4F2EAB00-4059-CEDD-A4D4-A56DCB34D7A8}"/>
+                <a16:creationId xmlns:a16="http://schemas.microsoft.com/office/drawing/2014/main" id="{B782B936-8C90-075B-C864-452947CE147A}"/>
               </a:ext>
             </a:extLst>
           </p:cNvPr>
@@ -11546,7 +11558,7 @@
                   <a:srgbClr val="FFFFFF"/>
                 </a:solidFill>
               </a:rPr>
-              <a:t>背包</a:t>
+              <a:t>存讀檔</a:t>
             </a:r>
           </a:p>
         </p:txBody>
@@ -11556,7 +11568,7 @@
           <p:cNvPr id="4" name="圖片 3">
             <a:extLst>
               <a:ext uri="{FF2B5EF4-FFF2-40B4-BE49-F238E27FC236}">
-                <a16:creationId xmlns:a16="http://schemas.microsoft.com/office/drawing/2014/main" id="{DC379A4E-CBFE-BC69-7D87-F85E84BC28C8}"/>
+                <a16:creationId xmlns:a16="http://schemas.microsoft.com/office/drawing/2014/main" id="{9D783746-53C0-E2EE-7862-6B9086A86507}"/>
               </a:ext>
             </a:extLst>
           </p:cNvPr>
@@ -11578,8 +11590,8 @@
         </p:blipFill>
         <p:spPr>
           <a:xfrm>
-            <a:off x="4249547" y="1117871"/>
-            <a:ext cx="7832723" cy="4622256"/>
+            <a:off x="4249546" y="1117871"/>
+            <a:ext cx="7832725" cy="4622257"/>
           </a:xfrm>
           <a:prstGeom prst="rect">
             <a:avLst/>
@@ -11589,7 +11601,7 @@
     </p:spTree>
     <p:extLst>
       <p:ext uri="{BB962C8B-B14F-4D97-AF65-F5344CB8AC3E}">
-        <p14:creationId xmlns:p14="http://schemas.microsoft.com/office/powerpoint/2010/main" val="774026913"/>
+        <p14:creationId xmlns:p14="http://schemas.microsoft.com/office/powerpoint/2010/main" val="762840262"/>
       </p:ext>
     </p:extLst>
   </p:cSld>
@@ -11615,7 +11627,7 @@
         <p:cNvPr id="1" name="">
           <a:extLst>
             <a:ext uri="{FF2B5EF4-FFF2-40B4-BE49-F238E27FC236}">
-              <a16:creationId xmlns:a16="http://schemas.microsoft.com/office/drawing/2014/main" id="{475C9A82-7641-84EE-5E02-EB84DAB5EBE4}"/>
+              <a16:creationId xmlns:a16="http://schemas.microsoft.com/office/drawing/2014/main" id="{9BA1D192-EC97-4805-AEC3-F81E4C92B50B}"/>
             </a:ext>
           </a:extLst>
         </p:cNvPr>
@@ -11635,7 +11647,7 @@
           <p:cNvPr id="18" name="Down Arrow 7">
             <a:extLst>
               <a:ext uri="{FF2B5EF4-FFF2-40B4-BE49-F238E27FC236}">
-                <a16:creationId xmlns:a16="http://schemas.microsoft.com/office/drawing/2014/main" id="{6C393FD6-75F6-9310-CEC9-7D19DF8018CD}"/>
+                <a16:creationId xmlns:a16="http://schemas.microsoft.com/office/drawing/2014/main" id="{A0AC4DE0-712A-3AE9-5D2B-60FC4497799D}"/>
               </a:ext>
               <a:ext uri="{C183D7F6-B498-43B3-948B-1728B52AA6E4}">
                 <adec:decorative xmlns:adec="http://schemas.microsoft.com/office/drawing/2017/decorative" val="1"/>
@@ -11701,7 +11713,7 @@
           <p:cNvPr id="2" name="標題 1">
             <a:extLst>
               <a:ext uri="{FF2B5EF4-FFF2-40B4-BE49-F238E27FC236}">
-                <a16:creationId xmlns:a16="http://schemas.microsoft.com/office/drawing/2014/main" id="{E9571E1C-0C94-D80F-F0A4-B9E18FB27193}"/>
+                <a16:creationId xmlns:a16="http://schemas.microsoft.com/office/drawing/2014/main" id="{F2D0087C-115E-36CB-E8EA-BF30EBB57419}"/>
               </a:ext>
             </a:extLst>
           </p:cNvPr>
@@ -11742,18 +11754,13 @@
               </a:rPr>
             </a:br>
             <a:r>
-              <a:rPr lang="en-US" altLang="zh-TW" sz="3600" dirty="0">
+              <a:rPr lang="zh-TW" altLang="en-US" sz="3600" dirty="0">
                 <a:solidFill>
                   <a:srgbClr val="FFFFFF"/>
                 </a:solidFill>
               </a:rPr>
-              <a:t>Pause Menu</a:t>
+              <a:t>背包</a:t>
             </a:r>
-            <a:endParaRPr lang="zh-TW" altLang="en-US" sz="3600" dirty="0">
-              <a:solidFill>
-                <a:srgbClr val="FFFFFF"/>
-              </a:solidFill>
-            </a:endParaRPr>
           </a:p>
         </p:txBody>
       </p:sp>
@@ -11762,7 +11769,7 @@
           <p:cNvPr id="4" name="圖片 3">
             <a:extLst>
               <a:ext uri="{FF2B5EF4-FFF2-40B4-BE49-F238E27FC236}">
-                <a16:creationId xmlns:a16="http://schemas.microsoft.com/office/drawing/2014/main" id="{87897D18-3EC9-08B1-E512-2E68CE7C0AFF}"/>
+                <a16:creationId xmlns:a16="http://schemas.microsoft.com/office/drawing/2014/main" id="{7A70A1E3-22E4-B3A6-0944-CD65CF858903}"/>
               </a:ext>
             </a:extLst>
           </p:cNvPr>
@@ -11784,8 +11791,8 @@
         </p:blipFill>
         <p:spPr>
           <a:xfrm>
-            <a:off x="4249548" y="1117871"/>
-            <a:ext cx="7832721" cy="4622256"/>
+            <a:off x="4249547" y="1117871"/>
+            <a:ext cx="7832723" cy="4622257"/>
           </a:xfrm>
           <a:prstGeom prst="rect">
             <a:avLst/>
@@ -11795,7 +11802,7 @@
     </p:spTree>
     <p:extLst>
       <p:ext uri="{BB962C8B-B14F-4D97-AF65-F5344CB8AC3E}">
-        <p14:creationId xmlns:p14="http://schemas.microsoft.com/office/powerpoint/2010/main" val="287316613"/>
+        <p14:creationId xmlns:p14="http://schemas.microsoft.com/office/powerpoint/2010/main" val="2827777200"/>
       </p:ext>
     </p:extLst>
   </p:cSld>
@@ -11821,7 +11828,7 @@
         <p:cNvPr id="1" name="">
           <a:extLst>
             <a:ext uri="{FF2B5EF4-FFF2-40B4-BE49-F238E27FC236}">
-              <a16:creationId xmlns:a16="http://schemas.microsoft.com/office/drawing/2014/main" id="{11A68115-6A72-DE5A-B822-744872E3E825}"/>
+              <a16:creationId xmlns:a16="http://schemas.microsoft.com/office/drawing/2014/main" id="{A8F39231-DB41-D49B-4717-A65B8D4E3CC7}"/>
             </a:ext>
           </a:extLst>
         </p:cNvPr>
@@ -11841,7 +11848,7 @@
           <p:cNvPr id="18" name="Down Arrow 7">
             <a:extLst>
               <a:ext uri="{FF2B5EF4-FFF2-40B4-BE49-F238E27FC236}">
-                <a16:creationId xmlns:a16="http://schemas.microsoft.com/office/drawing/2014/main" id="{BB97BCB0-586B-6DCA-EB9F-A574DC4E069D}"/>
+                <a16:creationId xmlns:a16="http://schemas.microsoft.com/office/drawing/2014/main" id="{FE8C61AF-7316-4078-E7DB-C4EAF4F58A7F}"/>
               </a:ext>
               <a:ext uri="{C183D7F6-B498-43B3-948B-1728B52AA6E4}">
                 <adec:decorative xmlns:adec="http://schemas.microsoft.com/office/drawing/2017/decorative" val="1"/>
@@ -11907,7 +11914,7 @@
           <p:cNvPr id="2" name="標題 1">
             <a:extLst>
               <a:ext uri="{FF2B5EF4-FFF2-40B4-BE49-F238E27FC236}">
-                <a16:creationId xmlns:a16="http://schemas.microsoft.com/office/drawing/2014/main" id="{6B1BD42A-6988-5609-A6C9-1A425312C5F1}"/>
+                <a16:creationId xmlns:a16="http://schemas.microsoft.com/office/drawing/2014/main" id="{4F2EAB00-4059-CEDD-A4D4-A56DCB34D7A8}"/>
               </a:ext>
             </a:extLst>
           </p:cNvPr>
@@ -11920,8 +11927,8 @@
         </p:nvSpPr>
         <p:spPr>
           <a:xfrm>
-            <a:off x="894735" y="1967266"/>
-            <a:ext cx="2762865" cy="2547257"/>
+            <a:off x="1028700" y="1967266"/>
+            <a:ext cx="2628900" cy="2547257"/>
           </a:xfrm>
           <a:noFill/>
         </p:spPr>
@@ -11948,18 +11955,13 @@
               </a:rPr>
             </a:br>
             <a:r>
-              <a:rPr lang="en-US" altLang="zh-TW" sz="3600" dirty="0" err="1">
+              <a:rPr lang="zh-TW" altLang="en-US" sz="3600" dirty="0">
                 <a:solidFill>
                   <a:srgbClr val="FFFFFF"/>
                 </a:solidFill>
               </a:rPr>
-              <a:t>SettingsMenu</a:t>
+              <a:t>背包</a:t>
             </a:r>
-            <a:endParaRPr lang="zh-TW" altLang="en-US" sz="3600" dirty="0">
-              <a:solidFill>
-                <a:srgbClr val="FFFFFF"/>
-              </a:solidFill>
-            </a:endParaRPr>
           </a:p>
         </p:txBody>
       </p:sp>
@@ -11968,7 +11970,7 @@
           <p:cNvPr id="4" name="圖片 3">
             <a:extLst>
               <a:ext uri="{FF2B5EF4-FFF2-40B4-BE49-F238E27FC236}">
-                <a16:creationId xmlns:a16="http://schemas.microsoft.com/office/drawing/2014/main" id="{F3E897D6-4A6E-0706-954F-41EE82D54E0E}"/>
+                <a16:creationId xmlns:a16="http://schemas.microsoft.com/office/drawing/2014/main" id="{DC379A4E-CBFE-BC69-7D87-F85E84BC28C8}"/>
               </a:ext>
             </a:extLst>
           </p:cNvPr>
@@ -11990,8 +11992,8 @@
         </p:blipFill>
         <p:spPr>
           <a:xfrm>
-            <a:off x="4249548" y="1117871"/>
-            <a:ext cx="7832721" cy="4622255"/>
+            <a:off x="4249547" y="1117871"/>
+            <a:ext cx="7832723" cy="4622256"/>
           </a:xfrm>
           <a:prstGeom prst="rect">
             <a:avLst/>
@@ -12001,7 +12003,7 @@
     </p:spTree>
     <p:extLst>
       <p:ext uri="{BB962C8B-B14F-4D97-AF65-F5344CB8AC3E}">
-        <p14:creationId xmlns:p14="http://schemas.microsoft.com/office/powerpoint/2010/main" val="2014432091"/>
+        <p14:creationId xmlns:p14="http://schemas.microsoft.com/office/powerpoint/2010/main" val="774026913"/>
       </p:ext>
     </p:extLst>
   </p:cSld>
@@ -12027,7 +12029,7 @@
         <p:cNvPr id="1" name="">
           <a:extLst>
             <a:ext uri="{FF2B5EF4-FFF2-40B4-BE49-F238E27FC236}">
-              <a16:creationId xmlns:a16="http://schemas.microsoft.com/office/drawing/2014/main" id="{A1DB4388-B247-60A8-7D04-596D2E40E3CA}"/>
+              <a16:creationId xmlns:a16="http://schemas.microsoft.com/office/drawing/2014/main" id="{475C9A82-7641-84EE-5E02-EB84DAB5EBE4}"/>
             </a:ext>
           </a:extLst>
         </p:cNvPr>
@@ -12047,7 +12049,7 @@
           <p:cNvPr id="18" name="Down Arrow 7">
             <a:extLst>
               <a:ext uri="{FF2B5EF4-FFF2-40B4-BE49-F238E27FC236}">
-                <a16:creationId xmlns:a16="http://schemas.microsoft.com/office/drawing/2014/main" id="{0B9D37BD-47E3-B145-EACF-4B2D3C90FDEE}"/>
+                <a16:creationId xmlns:a16="http://schemas.microsoft.com/office/drawing/2014/main" id="{6C393FD6-75F6-9310-CEC9-7D19DF8018CD}"/>
               </a:ext>
               <a:ext uri="{C183D7F6-B498-43B3-948B-1728B52AA6E4}">
                 <adec:decorative xmlns:adec="http://schemas.microsoft.com/office/drawing/2017/decorative" val="1"/>
@@ -12113,7 +12115,7 @@
           <p:cNvPr id="2" name="標題 1">
             <a:extLst>
               <a:ext uri="{FF2B5EF4-FFF2-40B4-BE49-F238E27FC236}">
-                <a16:creationId xmlns:a16="http://schemas.microsoft.com/office/drawing/2014/main" id="{E4B29E3C-9FF7-EB71-17F0-F09426064BFE}"/>
+                <a16:creationId xmlns:a16="http://schemas.microsoft.com/office/drawing/2014/main" id="{E9571E1C-0C94-D80F-F0A4-B9E18FB27193}"/>
               </a:ext>
             </a:extLst>
           </p:cNvPr>
@@ -12126,8 +12128,8 @@
         </p:nvSpPr>
         <p:spPr>
           <a:xfrm>
-            <a:off x="894735" y="1967266"/>
-            <a:ext cx="2762865" cy="2547257"/>
+            <a:off x="1028700" y="1967266"/>
+            <a:ext cx="2628900" cy="2547257"/>
           </a:xfrm>
           <a:noFill/>
         </p:spPr>
@@ -12144,22 +12146,42 @@
                   <a:srgbClr val="FFFFFF"/>
                 </a:solidFill>
               </a:rPr>
-              <a:t>實體關係圖</a:t>
+              <a:t>分鏡板</a:t>
             </a:r>
+            <a:br>
+              <a:rPr lang="en-US" altLang="zh-TW" sz="3600" dirty="0">
+                <a:solidFill>
+                  <a:srgbClr val="FFFFFF"/>
+                </a:solidFill>
+              </a:rPr>
+            </a:br>
+            <a:r>
+              <a:rPr lang="en-US" altLang="zh-TW" sz="3600" dirty="0">
+                <a:solidFill>
+                  <a:srgbClr val="FFFFFF"/>
+                </a:solidFill>
+              </a:rPr>
+              <a:t>Pause Menu</a:t>
+            </a:r>
+            <a:endParaRPr lang="zh-TW" altLang="en-US" sz="3600" dirty="0">
+              <a:solidFill>
+                <a:srgbClr val="FFFFFF"/>
+              </a:solidFill>
+            </a:endParaRPr>
           </a:p>
         </p:txBody>
       </p:sp>
       <p:pic>
         <p:nvPicPr>
-          <p:cNvPr id="1026" name="Picture 2">
+          <p:cNvPr id="4" name="圖片 3">
             <a:extLst>
               <a:ext uri="{FF2B5EF4-FFF2-40B4-BE49-F238E27FC236}">
-                <a16:creationId xmlns:a16="http://schemas.microsoft.com/office/drawing/2014/main" id="{225924E4-27D5-5CD6-5704-337D4E85C31A}"/>
+                <a16:creationId xmlns:a16="http://schemas.microsoft.com/office/drawing/2014/main" id="{87897D18-3EC9-08B1-E512-2E68CE7C0AFF}"/>
               </a:ext>
             </a:extLst>
           </p:cNvPr>
           <p:cNvPicPr>
-            <a:picLocks noChangeAspect="1" noChangeArrowheads="1"/>
+            <a:picLocks noChangeAspect="1"/>
           </p:cNvPicPr>
           <p:nvPr/>
         </p:nvPicPr>
@@ -12172,34 +12194,22 @@
             </a:extLst>
           </a:blip>
           <a:srcRect/>
-          <a:stretch>
-            <a:fillRect/>
-          </a:stretch>
+          <a:stretch/>
         </p:blipFill>
-        <p:spPr bwMode="auto">
+        <p:spPr>
           <a:xfrm>
-            <a:off x="4310743" y="0"/>
-            <a:ext cx="7881258" cy="6858000"/>
+            <a:off x="4249548" y="1117871"/>
+            <a:ext cx="7832721" cy="4622256"/>
           </a:xfrm>
           <a:prstGeom prst="rect">
             <a:avLst/>
           </a:prstGeom>
-          <a:noFill/>
-          <a:extLst>
-            <a:ext uri="{909E8E84-426E-40DD-AFC4-6F175D3DCCD1}">
-              <a14:hiddenFill xmlns:a14="http://schemas.microsoft.com/office/drawing/2010/main">
-                <a:solidFill>
-                  <a:srgbClr val="FFFFFF"/>
-                </a:solidFill>
-              </a14:hiddenFill>
-            </a:ext>
-          </a:extLst>
         </p:spPr>
       </p:pic>
     </p:spTree>
     <p:extLst>
       <p:ext uri="{BB962C8B-B14F-4D97-AF65-F5344CB8AC3E}">
-        <p14:creationId xmlns:p14="http://schemas.microsoft.com/office/powerpoint/2010/main" val="1798800955"/>
+        <p14:creationId xmlns:p14="http://schemas.microsoft.com/office/powerpoint/2010/main" val="287316613"/>
       </p:ext>
     </p:extLst>
   </p:cSld>
@@ -12225,7 +12235,7 @@
         <p:cNvPr id="1" name="">
           <a:extLst>
             <a:ext uri="{FF2B5EF4-FFF2-40B4-BE49-F238E27FC236}">
-              <a16:creationId xmlns:a16="http://schemas.microsoft.com/office/drawing/2014/main" id="{F9AF6C2F-AAB6-A035-2A08-C008C20C5903}"/>
+              <a16:creationId xmlns:a16="http://schemas.microsoft.com/office/drawing/2014/main" id="{11A68115-6A72-DE5A-B822-744872E3E825}"/>
             </a:ext>
           </a:extLst>
         </p:cNvPr>
@@ -12245,7 +12255,7 @@
           <p:cNvPr id="18" name="Down Arrow 7">
             <a:extLst>
               <a:ext uri="{FF2B5EF4-FFF2-40B4-BE49-F238E27FC236}">
-                <a16:creationId xmlns:a16="http://schemas.microsoft.com/office/drawing/2014/main" id="{91CCB73C-7BB6-56B5-8FBA-000BB92BE785}"/>
+                <a16:creationId xmlns:a16="http://schemas.microsoft.com/office/drawing/2014/main" id="{BB97BCB0-586B-6DCA-EB9F-A574DC4E069D}"/>
               </a:ext>
               <a:ext uri="{C183D7F6-B498-43B3-948B-1728B52AA6E4}">
                 <adec:decorative xmlns:adec="http://schemas.microsoft.com/office/drawing/2017/decorative" val="1"/>
@@ -12311,7 +12321,7 @@
           <p:cNvPr id="2" name="標題 1">
             <a:extLst>
               <a:ext uri="{FF2B5EF4-FFF2-40B4-BE49-F238E27FC236}">
-                <a16:creationId xmlns:a16="http://schemas.microsoft.com/office/drawing/2014/main" id="{CA9FA38E-48A1-FE4A-3AFC-8D794EB324A1}"/>
+                <a16:creationId xmlns:a16="http://schemas.microsoft.com/office/drawing/2014/main" id="{6B1BD42A-6988-5609-A6C9-1A425312C5F1}"/>
               </a:ext>
             </a:extLst>
           </p:cNvPr>
@@ -12342,7 +12352,7 @@
                   <a:srgbClr val="FFFFFF"/>
                 </a:solidFill>
               </a:rPr>
-              <a:t>遊戲角色</a:t>
+              <a:t>分鏡板</a:t>
             </a:r>
             <a:br>
               <a:rPr lang="en-US" altLang="zh-TW" sz="3600" dirty="0">
@@ -12352,22 +12362,27 @@
               </a:rPr>
             </a:br>
             <a:r>
-              <a:rPr lang="zh-TW" altLang="en-US" sz="3600" dirty="0">
+              <a:rPr lang="en-US" altLang="zh-TW" sz="3600" dirty="0" err="1">
                 <a:solidFill>
                   <a:srgbClr val="FFFFFF"/>
                 </a:solidFill>
               </a:rPr>
-              <a:t>有限狀態機</a:t>
+              <a:t>SettingsMenu</a:t>
             </a:r>
+            <a:endParaRPr lang="zh-TW" altLang="en-US" sz="3600" dirty="0">
+              <a:solidFill>
+                <a:srgbClr val="FFFFFF"/>
+              </a:solidFill>
+            </a:endParaRPr>
           </a:p>
         </p:txBody>
       </p:sp>
       <p:pic>
         <p:nvPicPr>
-          <p:cNvPr id="4" name="圖片 3" descr="一張含有 螢幕擷取畫面, 圓形, 文字, 設計 的圖片&#10;&#10;自動產生的描述">
+          <p:cNvPr id="4" name="圖片 3">
             <a:extLst>
               <a:ext uri="{FF2B5EF4-FFF2-40B4-BE49-F238E27FC236}">
-                <a16:creationId xmlns:a16="http://schemas.microsoft.com/office/drawing/2014/main" id="{8E1DCB76-BD5F-F782-15A1-342E0FF818B4}"/>
+                <a16:creationId xmlns:a16="http://schemas.microsoft.com/office/drawing/2014/main" id="{F3E897D6-4A6E-0706-954F-41EE82D54E0E}"/>
               </a:ext>
             </a:extLst>
           </p:cNvPr>
@@ -12377,21 +12392,20 @@
           <p:nvPr/>
         </p:nvPicPr>
         <p:blipFill>
-          <a:blip r:embed="rId3">
+          <a:blip r:embed="rId2">
             <a:extLst>
               <a:ext uri="{28A0092B-C50C-407E-A947-70E740481C1C}">
                 <a14:useLocalDpi xmlns:a14="http://schemas.microsoft.com/office/drawing/2010/main" val="0"/>
               </a:ext>
             </a:extLst>
           </a:blip>
-          <a:stretch>
-            <a:fillRect/>
-          </a:stretch>
+          <a:srcRect/>
+          <a:stretch/>
         </p:blipFill>
         <p:spPr>
           <a:xfrm>
-            <a:off x="4216526" y="625034"/>
-            <a:ext cx="7880433" cy="5833640"/>
+            <a:off x="4249548" y="1117871"/>
+            <a:ext cx="7832721" cy="4622255"/>
           </a:xfrm>
           <a:prstGeom prst="rect">
             <a:avLst/>
@@ -12401,7 +12415,205 @@
     </p:spTree>
     <p:extLst>
       <p:ext uri="{BB962C8B-B14F-4D97-AF65-F5344CB8AC3E}">
-        <p14:creationId xmlns:p14="http://schemas.microsoft.com/office/powerpoint/2010/main" val="2095783412"/>
+        <p14:creationId xmlns:p14="http://schemas.microsoft.com/office/powerpoint/2010/main" val="2014432091"/>
+      </p:ext>
+    </p:extLst>
+  </p:cSld>
+  <p:clrMapOvr>
+    <a:masterClrMapping/>
+  </p:clrMapOvr>
+</p:sld>
+</file>
+
+<file path=ppt/slides/slide19.xml><?xml version="1.0" encoding="utf-8"?>
+<p:sld xmlns:a="http://schemas.openxmlformats.org/drawingml/2006/main" xmlns:r="http://schemas.openxmlformats.org/officeDocument/2006/relationships" xmlns:p="http://schemas.openxmlformats.org/presentationml/2006/main">
+  <p:cSld>
+    <p:bg>
+      <p:bgPr>
+        <a:solidFill>
+          <a:schemeClr val="bg1"/>
+        </a:solidFill>
+        <a:effectLst/>
+      </p:bgPr>
+    </p:bg>
+    <p:spTree>
+      <p:nvGrpSpPr>
+        <p:cNvPr id="1" name="">
+          <a:extLst>
+            <a:ext uri="{FF2B5EF4-FFF2-40B4-BE49-F238E27FC236}">
+              <a16:creationId xmlns:a16="http://schemas.microsoft.com/office/drawing/2014/main" id="{A1DB4388-B247-60A8-7D04-596D2E40E3CA}"/>
+            </a:ext>
+          </a:extLst>
+        </p:cNvPr>
+        <p:cNvGrpSpPr/>
+        <p:nvPr/>
+      </p:nvGrpSpPr>
+      <p:grpSpPr>
+        <a:xfrm>
+          <a:off x="0" y="0"/>
+          <a:ext cx="0" cy="0"/>
+          <a:chOff x="0" y="0"/>
+          <a:chExt cx="0" cy="0"/>
+        </a:xfrm>
+      </p:grpSpPr>
+      <p:sp>
+        <p:nvSpPr>
+          <p:cNvPr id="18" name="Down Arrow 7">
+            <a:extLst>
+              <a:ext uri="{FF2B5EF4-FFF2-40B4-BE49-F238E27FC236}">
+                <a16:creationId xmlns:a16="http://schemas.microsoft.com/office/drawing/2014/main" id="{0B9D37BD-47E3-B145-EACF-4B2D3C90FDEE}"/>
+              </a:ext>
+              <a:ext uri="{C183D7F6-B498-43B3-948B-1728B52AA6E4}">
+                <adec:decorative xmlns:adec="http://schemas.microsoft.com/office/drawing/2017/decorative" val="1"/>
+              </a:ext>
+            </a:extLst>
+          </p:cNvPr>
+          <p:cNvSpPr>
+            <a:spLocks noGrp="1" noRot="1" noChangeAspect="1" noMove="1" noResize="1" noEditPoints="1" noAdjustHandles="1" noChangeArrowheads="1" noChangeShapeType="1" noTextEdit="1"/>
+          </p:cNvSpPr>
+          <p:nvPr>
+            <p:extLst>
+              <p:ext uri="{386F3935-93C4-4BCD-93E2-E3B085C9AB24}">
+                <p16:designElem xmlns:p16="http://schemas.microsoft.com/office/powerpoint/2015/main" val="1"/>
+              </p:ext>
+            </p:extLst>
+          </p:nvPr>
+        </p:nvSpPr>
+        <p:spPr>
+          <a:xfrm rot="16200000">
+            <a:off x="800100" y="1491343"/>
+            <a:ext cx="3333749" cy="3499103"/>
+          </a:xfrm>
+          <a:prstGeom prst="downArrow">
+            <a:avLst>
+              <a:gd name="adj1" fmla="val 100000"/>
+              <a:gd name="adj2" fmla="val 15788"/>
+            </a:avLst>
+          </a:prstGeom>
+          <a:solidFill>
+            <a:srgbClr val="404040"/>
+          </a:solidFill>
+          <a:ln w="53975">
+            <a:noFill/>
+          </a:ln>
+        </p:spPr>
+        <p:style>
+          <a:lnRef idx="2">
+            <a:schemeClr val="accent1">
+              <a:shade val="50000"/>
+            </a:schemeClr>
+          </a:lnRef>
+          <a:fillRef idx="1">
+            <a:schemeClr val="accent1"/>
+          </a:fillRef>
+          <a:effectRef idx="0">
+            <a:schemeClr val="accent1"/>
+          </a:effectRef>
+          <a:fontRef idx="minor">
+            <a:schemeClr val="lt1"/>
+          </a:fontRef>
+        </p:style>
+        <p:txBody>
+          <a:bodyPr rtlCol="0" anchor="ctr"/>
+          <a:lstStyle/>
+          <a:p>
+            <a:pPr algn="ctr"/>
+            <a:endParaRPr lang="en-US"/>
+          </a:p>
+        </p:txBody>
+      </p:sp>
+      <p:sp>
+        <p:nvSpPr>
+          <p:cNvPr id="2" name="標題 1">
+            <a:extLst>
+              <a:ext uri="{FF2B5EF4-FFF2-40B4-BE49-F238E27FC236}">
+                <a16:creationId xmlns:a16="http://schemas.microsoft.com/office/drawing/2014/main" id="{E4B29E3C-9FF7-EB71-17F0-F09426064BFE}"/>
+              </a:ext>
+            </a:extLst>
+          </p:cNvPr>
+          <p:cNvSpPr>
+            <a:spLocks noGrp="1"/>
+          </p:cNvSpPr>
+          <p:nvPr>
+            <p:ph type="title"/>
+          </p:nvPr>
+        </p:nvSpPr>
+        <p:spPr>
+          <a:xfrm>
+            <a:off x="894735" y="1967266"/>
+            <a:ext cx="2762865" cy="2547257"/>
+          </a:xfrm>
+          <a:noFill/>
+        </p:spPr>
+        <p:txBody>
+          <a:bodyPr anchor="ctr">
+            <a:normAutofit/>
+          </a:bodyPr>
+          <a:lstStyle/>
+          <a:p>
+            <a:pPr algn="ctr"/>
+            <a:r>
+              <a:rPr lang="zh-TW" altLang="en-US" sz="3600" dirty="0">
+                <a:solidFill>
+                  <a:srgbClr val="FFFFFF"/>
+                </a:solidFill>
+              </a:rPr>
+              <a:t>實體關係圖</a:t>
+            </a:r>
+          </a:p>
+        </p:txBody>
+      </p:sp>
+      <p:pic>
+        <p:nvPicPr>
+          <p:cNvPr id="1026" name="Picture 2">
+            <a:extLst>
+              <a:ext uri="{FF2B5EF4-FFF2-40B4-BE49-F238E27FC236}">
+                <a16:creationId xmlns:a16="http://schemas.microsoft.com/office/drawing/2014/main" id="{225924E4-27D5-5CD6-5704-337D4E85C31A}"/>
+              </a:ext>
+            </a:extLst>
+          </p:cNvPr>
+          <p:cNvPicPr>
+            <a:picLocks noChangeAspect="1" noChangeArrowheads="1"/>
+          </p:cNvPicPr>
+          <p:nvPr/>
+        </p:nvPicPr>
+        <p:blipFill>
+          <a:blip r:embed="rId2">
+            <a:extLst>
+              <a:ext uri="{28A0092B-C50C-407E-A947-70E740481C1C}">
+                <a14:useLocalDpi xmlns:a14="http://schemas.microsoft.com/office/drawing/2010/main" val="0"/>
+              </a:ext>
+            </a:extLst>
+          </a:blip>
+          <a:srcRect/>
+          <a:stretch>
+            <a:fillRect/>
+          </a:stretch>
+        </p:blipFill>
+        <p:spPr bwMode="auto">
+          <a:xfrm>
+            <a:off x="4310743" y="0"/>
+            <a:ext cx="7881258" cy="6858000"/>
+          </a:xfrm>
+          <a:prstGeom prst="rect">
+            <a:avLst/>
+          </a:prstGeom>
+          <a:noFill/>
+          <a:extLst>
+            <a:ext uri="{909E8E84-426E-40DD-AFC4-6F175D3DCCD1}">
+              <a14:hiddenFill xmlns:a14="http://schemas.microsoft.com/office/drawing/2010/main">
+                <a:solidFill>
+                  <a:srgbClr val="FFFFFF"/>
+                </a:solidFill>
+              </a14:hiddenFill>
+            </a:ext>
+          </a:extLst>
+        </p:spPr>
+      </p:pic>
+    </p:spTree>
+    <p:extLst>
+      <p:ext uri="{BB962C8B-B14F-4D97-AF65-F5344CB8AC3E}">
+        <p14:creationId xmlns:p14="http://schemas.microsoft.com/office/powerpoint/2010/main" val="1798800955"/>
       </p:ext>
     </p:extLst>
   </p:cSld>
@@ -12528,6 +12740,208 @@
     <p:extLst>
       <p:ext uri="{BB962C8B-B14F-4D97-AF65-F5344CB8AC3E}">
         <p14:creationId xmlns:p14="http://schemas.microsoft.com/office/powerpoint/2010/main" val="2103292278"/>
+      </p:ext>
+    </p:extLst>
+  </p:cSld>
+  <p:clrMapOvr>
+    <a:masterClrMapping/>
+  </p:clrMapOvr>
+</p:sld>
+</file>
+
+<file path=ppt/slides/slide20.xml><?xml version="1.0" encoding="utf-8"?>
+<p:sld xmlns:a="http://schemas.openxmlformats.org/drawingml/2006/main" xmlns:r="http://schemas.openxmlformats.org/officeDocument/2006/relationships" xmlns:p="http://schemas.openxmlformats.org/presentationml/2006/main">
+  <p:cSld>
+    <p:bg>
+      <p:bgPr>
+        <a:solidFill>
+          <a:schemeClr val="bg1"/>
+        </a:solidFill>
+        <a:effectLst/>
+      </p:bgPr>
+    </p:bg>
+    <p:spTree>
+      <p:nvGrpSpPr>
+        <p:cNvPr id="1" name="">
+          <a:extLst>
+            <a:ext uri="{FF2B5EF4-FFF2-40B4-BE49-F238E27FC236}">
+              <a16:creationId xmlns:a16="http://schemas.microsoft.com/office/drawing/2014/main" id="{F9AF6C2F-AAB6-A035-2A08-C008C20C5903}"/>
+            </a:ext>
+          </a:extLst>
+        </p:cNvPr>
+        <p:cNvGrpSpPr/>
+        <p:nvPr/>
+      </p:nvGrpSpPr>
+      <p:grpSpPr>
+        <a:xfrm>
+          <a:off x="0" y="0"/>
+          <a:ext cx="0" cy="0"/>
+          <a:chOff x="0" y="0"/>
+          <a:chExt cx="0" cy="0"/>
+        </a:xfrm>
+      </p:grpSpPr>
+      <p:sp>
+        <p:nvSpPr>
+          <p:cNvPr id="18" name="Down Arrow 7">
+            <a:extLst>
+              <a:ext uri="{FF2B5EF4-FFF2-40B4-BE49-F238E27FC236}">
+                <a16:creationId xmlns:a16="http://schemas.microsoft.com/office/drawing/2014/main" id="{91CCB73C-7BB6-56B5-8FBA-000BB92BE785}"/>
+              </a:ext>
+              <a:ext uri="{C183D7F6-B498-43B3-948B-1728B52AA6E4}">
+                <adec:decorative xmlns:adec="http://schemas.microsoft.com/office/drawing/2017/decorative" val="1"/>
+              </a:ext>
+            </a:extLst>
+          </p:cNvPr>
+          <p:cNvSpPr>
+            <a:spLocks noGrp="1" noRot="1" noChangeAspect="1" noMove="1" noResize="1" noEditPoints="1" noAdjustHandles="1" noChangeArrowheads="1" noChangeShapeType="1" noTextEdit="1"/>
+          </p:cNvSpPr>
+          <p:nvPr>
+            <p:extLst>
+              <p:ext uri="{386F3935-93C4-4BCD-93E2-E3B085C9AB24}">
+                <p16:designElem xmlns:p16="http://schemas.microsoft.com/office/powerpoint/2015/main" val="1"/>
+              </p:ext>
+            </p:extLst>
+          </p:nvPr>
+        </p:nvSpPr>
+        <p:spPr>
+          <a:xfrm rot="16200000">
+            <a:off x="800100" y="1491343"/>
+            <a:ext cx="3333749" cy="3499103"/>
+          </a:xfrm>
+          <a:prstGeom prst="downArrow">
+            <a:avLst>
+              <a:gd name="adj1" fmla="val 100000"/>
+              <a:gd name="adj2" fmla="val 15788"/>
+            </a:avLst>
+          </a:prstGeom>
+          <a:solidFill>
+            <a:srgbClr val="404040"/>
+          </a:solidFill>
+          <a:ln w="53975">
+            <a:noFill/>
+          </a:ln>
+        </p:spPr>
+        <p:style>
+          <a:lnRef idx="2">
+            <a:schemeClr val="accent1">
+              <a:shade val="50000"/>
+            </a:schemeClr>
+          </a:lnRef>
+          <a:fillRef idx="1">
+            <a:schemeClr val="accent1"/>
+          </a:fillRef>
+          <a:effectRef idx="0">
+            <a:schemeClr val="accent1"/>
+          </a:effectRef>
+          <a:fontRef idx="minor">
+            <a:schemeClr val="lt1"/>
+          </a:fontRef>
+        </p:style>
+        <p:txBody>
+          <a:bodyPr rtlCol="0" anchor="ctr"/>
+          <a:lstStyle/>
+          <a:p>
+            <a:pPr algn="ctr"/>
+            <a:endParaRPr lang="en-US"/>
+          </a:p>
+        </p:txBody>
+      </p:sp>
+      <p:sp>
+        <p:nvSpPr>
+          <p:cNvPr id="2" name="標題 1">
+            <a:extLst>
+              <a:ext uri="{FF2B5EF4-FFF2-40B4-BE49-F238E27FC236}">
+                <a16:creationId xmlns:a16="http://schemas.microsoft.com/office/drawing/2014/main" id="{CA9FA38E-48A1-FE4A-3AFC-8D794EB324A1}"/>
+              </a:ext>
+            </a:extLst>
+          </p:cNvPr>
+          <p:cNvSpPr>
+            <a:spLocks noGrp="1"/>
+          </p:cNvSpPr>
+          <p:nvPr>
+            <p:ph type="title"/>
+          </p:nvPr>
+        </p:nvSpPr>
+        <p:spPr>
+          <a:xfrm>
+            <a:off x="894735" y="1967266"/>
+            <a:ext cx="2762865" cy="2547257"/>
+          </a:xfrm>
+          <a:noFill/>
+        </p:spPr>
+        <p:txBody>
+          <a:bodyPr anchor="ctr">
+            <a:normAutofit/>
+          </a:bodyPr>
+          <a:lstStyle/>
+          <a:p>
+            <a:pPr algn="ctr"/>
+            <a:r>
+              <a:rPr lang="zh-TW" altLang="en-US" sz="3600" dirty="0">
+                <a:solidFill>
+                  <a:srgbClr val="FFFFFF"/>
+                </a:solidFill>
+              </a:rPr>
+              <a:t>遊戲角色</a:t>
+            </a:r>
+            <a:br>
+              <a:rPr lang="en-US" altLang="zh-TW" sz="3600" dirty="0">
+                <a:solidFill>
+                  <a:srgbClr val="FFFFFF"/>
+                </a:solidFill>
+              </a:rPr>
+            </a:br>
+            <a:r>
+              <a:rPr lang="zh-TW" altLang="en-US" sz="3600" dirty="0">
+                <a:solidFill>
+                  <a:srgbClr val="FFFFFF"/>
+                </a:solidFill>
+              </a:rPr>
+              <a:t>有限狀態機</a:t>
+            </a:r>
+          </a:p>
+        </p:txBody>
+      </p:sp>
+      <p:pic>
+        <p:nvPicPr>
+          <p:cNvPr id="4" name="圖片 3" descr="一張含有 螢幕擷取畫面, 圓形, 文字, 設計 的圖片&#10;&#10;自動產生的描述">
+            <a:extLst>
+              <a:ext uri="{FF2B5EF4-FFF2-40B4-BE49-F238E27FC236}">
+                <a16:creationId xmlns:a16="http://schemas.microsoft.com/office/drawing/2014/main" id="{8E1DCB76-BD5F-F782-15A1-342E0FF818B4}"/>
+              </a:ext>
+            </a:extLst>
+          </p:cNvPr>
+          <p:cNvPicPr>
+            <a:picLocks noChangeAspect="1"/>
+          </p:cNvPicPr>
+          <p:nvPr/>
+        </p:nvPicPr>
+        <p:blipFill>
+          <a:blip r:embed="rId3">
+            <a:extLst>
+              <a:ext uri="{28A0092B-C50C-407E-A947-70E740481C1C}">
+                <a14:useLocalDpi xmlns:a14="http://schemas.microsoft.com/office/drawing/2010/main" val="0"/>
+              </a:ext>
+            </a:extLst>
+          </a:blip>
+          <a:stretch>
+            <a:fillRect/>
+          </a:stretch>
+        </p:blipFill>
+        <p:spPr>
+          <a:xfrm>
+            <a:off x="4216526" y="625034"/>
+            <a:ext cx="7880433" cy="5833640"/>
+          </a:xfrm>
+          <a:prstGeom prst="rect">
+            <a:avLst/>
+          </a:prstGeom>
+        </p:spPr>
+      </p:pic>
+    </p:spTree>
+    <p:extLst>
+      <p:ext uri="{BB962C8B-B14F-4D97-AF65-F5344CB8AC3E}">
+        <p14:creationId xmlns:p14="http://schemas.microsoft.com/office/powerpoint/2010/main" val="2095783412"/>
       </p:ext>
     </p:extLst>
   </p:cSld>
@@ -13064,7 +13478,7 @@
         <p:cNvPr id="1" name="">
           <a:extLst>
             <a:ext uri="{FF2B5EF4-FFF2-40B4-BE49-F238E27FC236}">
-              <a16:creationId xmlns:a16="http://schemas.microsoft.com/office/drawing/2014/main" id="{91D9417A-803A-5D5C-E400-181AF10A43DA}"/>
+              <a16:creationId xmlns:a16="http://schemas.microsoft.com/office/drawing/2014/main" id="{CB3AD492-C3D0-F6C2-FF49-D63DA8EBCF89}"/>
             </a:ext>
           </a:extLst>
         </p:cNvPr>
@@ -13084,7 +13498,7 @@
           <p:cNvPr id="18" name="Down Arrow 7">
             <a:extLst>
               <a:ext uri="{FF2B5EF4-FFF2-40B4-BE49-F238E27FC236}">
-                <a16:creationId xmlns:a16="http://schemas.microsoft.com/office/drawing/2014/main" id="{DE0EAFC4-A604-2181-7B83-01360E321467}"/>
+                <a16:creationId xmlns:a16="http://schemas.microsoft.com/office/drawing/2014/main" id="{8EEE1117-FFC8-3ED4-E92F-8EDF191B1FA6}"/>
               </a:ext>
               <a:ext uri="{C183D7F6-B498-43B3-948B-1728B52AA6E4}">
                 <adec:decorative xmlns:adec="http://schemas.microsoft.com/office/drawing/2017/decorative" val="1"/>
@@ -13150,7 +13564,7 @@
           <p:cNvPr id="2" name="標題 1">
             <a:extLst>
               <a:ext uri="{FF2B5EF4-FFF2-40B4-BE49-F238E27FC236}">
-                <a16:creationId xmlns:a16="http://schemas.microsoft.com/office/drawing/2014/main" id="{97D93938-75DA-DE99-B516-F3616241F140}"/>
+                <a16:creationId xmlns:a16="http://schemas.microsoft.com/office/drawing/2014/main" id="{981085EF-70E2-8EC6-66EC-02D8870C182B}"/>
               </a:ext>
             </a:extLst>
           </p:cNvPr>
@@ -13181,17 +13595,17 @@
                   <a:srgbClr val="FFFFFF"/>
                 </a:solidFill>
               </a:rPr>
-              <a:t>系統環境圖</a:t>
+              <a:t>使用案例圖</a:t>
             </a:r>
           </a:p>
         </p:txBody>
       </p:sp>
       <p:pic>
         <p:nvPicPr>
-          <p:cNvPr id="1026" name="Picture 2">
+          <p:cNvPr id="1026" name="Picture 2" descr="UCG">
             <a:extLst>
               <a:ext uri="{FF2B5EF4-FFF2-40B4-BE49-F238E27FC236}">
-                <a16:creationId xmlns:a16="http://schemas.microsoft.com/office/drawing/2014/main" id="{949BCCFE-6F8A-79A2-E982-3CF3FDF69E73}"/>
+                <a16:creationId xmlns:a16="http://schemas.microsoft.com/office/drawing/2014/main" id="{0088F41A-0212-83E4-67BD-E777E828AECF}"/>
               </a:ext>
             </a:extLst>
           </p:cNvPr>
@@ -13215,8 +13629,8 @@
         </p:blipFill>
         <p:spPr bwMode="auto">
           <a:xfrm>
-            <a:off x="5037851" y="1523739"/>
-            <a:ext cx="6066503" cy="3810522"/>
+            <a:off x="4307402" y="972274"/>
+            <a:ext cx="7675254" cy="5098347"/>
           </a:xfrm>
           <a:prstGeom prst="rect">
             <a:avLst/>
@@ -13236,7 +13650,7 @@
     </p:spTree>
     <p:extLst>
       <p:ext uri="{BB962C8B-B14F-4D97-AF65-F5344CB8AC3E}">
-        <p14:creationId xmlns:p14="http://schemas.microsoft.com/office/powerpoint/2010/main" val="3740248516"/>
+        <p14:creationId xmlns:p14="http://schemas.microsoft.com/office/powerpoint/2010/main" val="1148347437"/>
       </p:ext>
     </p:extLst>
   </p:cSld>
@@ -13262,7 +13676,7 @@
         <p:cNvPr id="1" name="">
           <a:extLst>
             <a:ext uri="{FF2B5EF4-FFF2-40B4-BE49-F238E27FC236}">
-              <a16:creationId xmlns:a16="http://schemas.microsoft.com/office/drawing/2014/main" id="{01B05B7E-85F9-6D0E-5DBE-124E7209BE9B}"/>
+              <a16:creationId xmlns:a16="http://schemas.microsoft.com/office/drawing/2014/main" id="{12CA79BF-0774-3725-8B64-B1B13362310B}"/>
             </a:ext>
           </a:extLst>
         </p:cNvPr>
@@ -13282,7 +13696,7 @@
           <p:cNvPr id="18" name="Down Arrow 7">
             <a:extLst>
               <a:ext uri="{FF2B5EF4-FFF2-40B4-BE49-F238E27FC236}">
-                <a16:creationId xmlns:a16="http://schemas.microsoft.com/office/drawing/2014/main" id="{427BC9B5-3AD1-3A4C-B239-032D664AD72C}"/>
+                <a16:creationId xmlns:a16="http://schemas.microsoft.com/office/drawing/2014/main" id="{1E0D36DD-AFAF-25D5-652C-C129204A5AD5}"/>
               </a:ext>
               <a:ext uri="{C183D7F6-B498-43B3-948B-1728B52AA6E4}">
                 <adec:decorative xmlns:adec="http://schemas.microsoft.com/office/drawing/2017/decorative" val="1"/>
@@ -13348,7 +13762,7 @@
           <p:cNvPr id="2" name="標題 1">
             <a:extLst>
               <a:ext uri="{FF2B5EF4-FFF2-40B4-BE49-F238E27FC236}">
-                <a16:creationId xmlns:a16="http://schemas.microsoft.com/office/drawing/2014/main" id="{D6BF61C4-8646-EC50-15F0-E142AC32653D}"/>
+                <a16:creationId xmlns:a16="http://schemas.microsoft.com/office/drawing/2014/main" id="{4058B452-D2AB-EB4E-CEBE-318AAB2DE43D}"/>
               </a:ext>
             </a:extLst>
           </p:cNvPr>
@@ -13374,48 +13788,27 @@
           <a:p>
             <a:pPr algn="ctr"/>
             <a:r>
-              <a:rPr lang="en-US" altLang="zh-TW" sz="3600" dirty="0">
-                <a:solidFill>
-                  <a:srgbClr val="FFFFFF"/>
-                </a:solidFill>
-              </a:rPr>
-              <a:t>DFD</a:t>
-            </a:r>
-            <a:r>
               <a:rPr lang="zh-TW" altLang="en-US" sz="3600" dirty="0">
                 <a:solidFill>
                   <a:srgbClr val="FFFFFF"/>
                 </a:solidFill>
               </a:rPr>
-              <a:t>圖</a:t>
+              <a:t>使用案例圖</a:t>
             </a:r>
-            <a:r>
-              <a:rPr lang="en-US" altLang="zh-TW" sz="3600" dirty="0">
-                <a:solidFill>
-                  <a:srgbClr val="FFFFFF"/>
-                </a:solidFill>
-              </a:rPr>
-              <a:t>0</a:t>
-            </a:r>
-            <a:endParaRPr lang="zh-TW" altLang="en-US" sz="3600" dirty="0">
-              <a:solidFill>
-                <a:srgbClr val="FFFFFF"/>
-              </a:solidFill>
-            </a:endParaRPr>
           </a:p>
         </p:txBody>
       </p:sp>
       <p:pic>
         <p:nvPicPr>
-          <p:cNvPr id="4" name="圖片 3" descr="一張含有 螢幕擷取畫面, 文字, 圓形, 字型 的圖片&#10;&#10;自動產生的描述">
+          <p:cNvPr id="2050" name="Picture 2" descr="UCGD">
             <a:extLst>
               <a:ext uri="{FF2B5EF4-FFF2-40B4-BE49-F238E27FC236}">
-                <a16:creationId xmlns:a16="http://schemas.microsoft.com/office/drawing/2014/main" id="{493EBBD8-EF4A-1D43-675D-D96EDD4D4ADD}"/>
+                <a16:creationId xmlns:a16="http://schemas.microsoft.com/office/drawing/2014/main" id="{A635FC5D-0CD4-2807-1197-61BB0CAB3FD7}"/>
               </a:ext>
             </a:extLst>
           </p:cNvPr>
           <p:cNvPicPr>
-            <a:picLocks noChangeAspect="1"/>
+            <a:picLocks noChangeAspect="1" noChangeArrowheads="1"/>
           </p:cNvPicPr>
           <p:nvPr/>
         </p:nvPicPr>
@@ -13427,24 +13820,35 @@
               </a:ext>
             </a:extLst>
           </a:blip>
+          <a:srcRect/>
           <a:stretch>
             <a:fillRect/>
           </a:stretch>
         </p:blipFill>
-        <p:spPr>
+        <p:spPr bwMode="auto">
           <a:xfrm>
-            <a:off x="4093541" y="718829"/>
-            <a:ext cx="7763870" cy="5579865"/>
+            <a:off x="358711" y="1574019"/>
+            <a:ext cx="11474578" cy="3436251"/>
           </a:xfrm>
           <a:prstGeom prst="rect">
             <a:avLst/>
           </a:prstGeom>
+          <a:noFill/>
+          <a:extLst>
+            <a:ext uri="{909E8E84-426E-40DD-AFC4-6F175D3DCCD1}">
+              <a14:hiddenFill xmlns:a14="http://schemas.microsoft.com/office/drawing/2010/main">
+                <a:solidFill>
+                  <a:srgbClr val="FFFFFF"/>
+                </a:solidFill>
+              </a14:hiddenFill>
+            </a:ext>
+          </a:extLst>
         </p:spPr>
       </p:pic>
     </p:spTree>
     <p:extLst>
       <p:ext uri="{BB962C8B-B14F-4D97-AF65-F5344CB8AC3E}">
-        <p14:creationId xmlns:p14="http://schemas.microsoft.com/office/powerpoint/2010/main" val="2597867893"/>
+        <p14:creationId xmlns:p14="http://schemas.microsoft.com/office/powerpoint/2010/main" val="3159508203"/>
       </p:ext>
     </p:extLst>
   </p:cSld>
@@ -13470,7 +13874,7 @@
         <p:cNvPr id="1" name="">
           <a:extLst>
             <a:ext uri="{FF2B5EF4-FFF2-40B4-BE49-F238E27FC236}">
-              <a16:creationId xmlns:a16="http://schemas.microsoft.com/office/drawing/2014/main" id="{47D9FBC5-81F7-E690-DC1B-C9A8EC9831F7}"/>
+              <a16:creationId xmlns:a16="http://schemas.microsoft.com/office/drawing/2014/main" id="{91D9417A-803A-5D5C-E400-181AF10A43DA}"/>
             </a:ext>
           </a:extLst>
         </p:cNvPr>
@@ -13490,7 +13894,7 @@
           <p:cNvPr id="18" name="Down Arrow 7">
             <a:extLst>
               <a:ext uri="{FF2B5EF4-FFF2-40B4-BE49-F238E27FC236}">
-                <a16:creationId xmlns:a16="http://schemas.microsoft.com/office/drawing/2014/main" id="{1A8150C5-24DE-DCCF-1F02-40F3516F6A2A}"/>
+                <a16:creationId xmlns:a16="http://schemas.microsoft.com/office/drawing/2014/main" id="{DE0EAFC4-A604-2181-7B83-01360E321467}"/>
               </a:ext>
               <a:ext uri="{C183D7F6-B498-43B3-948B-1728B52AA6E4}">
                 <adec:decorative xmlns:adec="http://schemas.microsoft.com/office/drawing/2017/decorative" val="1"/>
@@ -13556,7 +13960,7 @@
           <p:cNvPr id="2" name="標題 1">
             <a:extLst>
               <a:ext uri="{FF2B5EF4-FFF2-40B4-BE49-F238E27FC236}">
-                <a16:creationId xmlns:a16="http://schemas.microsoft.com/office/drawing/2014/main" id="{7C9C3A96-FAEC-B7CB-1103-B6AD8CE4F348}"/>
+                <a16:creationId xmlns:a16="http://schemas.microsoft.com/office/drawing/2014/main" id="{97D93938-75DA-DE99-B516-F3616241F140}"/>
               </a:ext>
             </a:extLst>
           </p:cNvPr>
@@ -13582,30 +13986,22 @@
           <a:p>
             <a:pPr algn="ctr"/>
             <a:r>
-              <a:rPr lang="en-US" altLang="zh-TW" sz="3600" dirty="0">
-                <a:solidFill>
-                  <a:srgbClr val="FFFFFF"/>
-                </a:solidFill>
-              </a:rPr>
-              <a:t>UML</a:t>
-            </a:r>
-            <a:r>
               <a:rPr lang="zh-TW" altLang="en-US" sz="3600" dirty="0">
                 <a:solidFill>
                   <a:srgbClr val="FFFFFF"/>
                 </a:solidFill>
               </a:rPr>
-              <a:t>類別圖</a:t>
+              <a:t>系統環境圖</a:t>
             </a:r>
           </a:p>
         </p:txBody>
       </p:sp>
       <p:pic>
         <p:nvPicPr>
-          <p:cNvPr id="3074" name="Picture 2" descr="CD">
+          <p:cNvPr id="1026" name="Picture 2">
             <a:extLst>
               <a:ext uri="{FF2B5EF4-FFF2-40B4-BE49-F238E27FC236}">
-                <a16:creationId xmlns:a16="http://schemas.microsoft.com/office/drawing/2014/main" id="{6237D727-B179-C22F-7B4F-EDDAC4EA7C18}"/>
+                <a16:creationId xmlns:a16="http://schemas.microsoft.com/office/drawing/2014/main" id="{949BCCFE-6F8A-79A2-E982-3CF3FDF69E73}"/>
               </a:ext>
             </a:extLst>
           </p:cNvPr>
@@ -13629,8 +14025,8 @@
         </p:blipFill>
         <p:spPr bwMode="auto">
           <a:xfrm>
-            <a:off x="5143344" y="233362"/>
-            <a:ext cx="6105525" cy="6391275"/>
+            <a:off x="5037851" y="1523739"/>
+            <a:ext cx="6066503" cy="3810522"/>
           </a:xfrm>
           <a:prstGeom prst="rect">
             <a:avLst/>
@@ -13650,7 +14046,7 @@
     </p:spTree>
     <p:extLst>
       <p:ext uri="{BB962C8B-B14F-4D97-AF65-F5344CB8AC3E}">
-        <p14:creationId xmlns:p14="http://schemas.microsoft.com/office/powerpoint/2010/main" val="4162075062"/>
+        <p14:creationId xmlns:p14="http://schemas.microsoft.com/office/powerpoint/2010/main" val="3740248516"/>
       </p:ext>
     </p:extLst>
   </p:cSld>
@@ -13676,7 +14072,7 @@
         <p:cNvPr id="1" name="">
           <a:extLst>
             <a:ext uri="{FF2B5EF4-FFF2-40B4-BE49-F238E27FC236}">
-              <a16:creationId xmlns:a16="http://schemas.microsoft.com/office/drawing/2014/main" id="{83DAF0D4-BD49-44F2-0361-1660EB81F859}"/>
+              <a16:creationId xmlns:a16="http://schemas.microsoft.com/office/drawing/2014/main" id="{01B05B7E-85F9-6D0E-5DBE-124E7209BE9B}"/>
             </a:ext>
           </a:extLst>
         </p:cNvPr>
@@ -13696,7 +14092,7 @@
           <p:cNvPr id="18" name="Down Arrow 7">
             <a:extLst>
               <a:ext uri="{FF2B5EF4-FFF2-40B4-BE49-F238E27FC236}">
-                <a16:creationId xmlns:a16="http://schemas.microsoft.com/office/drawing/2014/main" id="{4656AB8B-E281-3FF0-984D-7ABDA3E43FDF}"/>
+                <a16:creationId xmlns:a16="http://schemas.microsoft.com/office/drawing/2014/main" id="{427BC9B5-3AD1-3A4C-B239-032D664AD72C}"/>
               </a:ext>
               <a:ext uri="{C183D7F6-B498-43B3-948B-1728B52AA6E4}">
                 <adec:decorative xmlns:adec="http://schemas.microsoft.com/office/drawing/2017/decorative" val="1"/>
@@ -13762,7 +14158,7 @@
           <p:cNvPr id="2" name="標題 1">
             <a:extLst>
               <a:ext uri="{FF2B5EF4-FFF2-40B4-BE49-F238E27FC236}">
-                <a16:creationId xmlns:a16="http://schemas.microsoft.com/office/drawing/2014/main" id="{C375C938-5392-665A-547D-EFE06DACC57B}"/>
+                <a16:creationId xmlns:a16="http://schemas.microsoft.com/office/drawing/2014/main" id="{D6BF61C4-8646-EC50-15F0-E142AC32653D}"/>
               </a:ext>
             </a:extLst>
           </p:cNvPr>
@@ -13793,7 +14189,7 @@
                   <a:srgbClr val="FFFFFF"/>
                 </a:solidFill>
               </a:rPr>
-              <a:t>UML</a:t>
+              <a:t>DFD</a:t>
             </a:r>
             <a:r>
               <a:rPr lang="zh-TW" altLang="en-US" sz="3600" dirty="0">
@@ -13801,22 +14197,35 @@
                   <a:srgbClr val="FFFFFF"/>
                 </a:solidFill>
               </a:rPr>
-              <a:t>循序圖</a:t>
+              <a:t>圖</a:t>
             </a:r>
+            <a:r>
+              <a:rPr lang="en-US" altLang="zh-TW" sz="3600" dirty="0">
+                <a:solidFill>
+                  <a:srgbClr val="FFFFFF"/>
+                </a:solidFill>
+              </a:rPr>
+              <a:t>0</a:t>
+            </a:r>
+            <a:endParaRPr lang="zh-TW" altLang="en-US" sz="3600" dirty="0">
+              <a:solidFill>
+                <a:srgbClr val="FFFFFF"/>
+              </a:solidFill>
+            </a:endParaRPr>
           </a:p>
         </p:txBody>
       </p:sp>
       <p:pic>
         <p:nvPicPr>
-          <p:cNvPr id="4098" name="Picture 2" descr="SD">
+          <p:cNvPr id="4" name="圖片 3" descr="一張含有 螢幕擷取畫面, 文字, 圓形, 字型 的圖片&#10;&#10;自動產生的描述">
             <a:extLst>
               <a:ext uri="{FF2B5EF4-FFF2-40B4-BE49-F238E27FC236}">
-                <a16:creationId xmlns:a16="http://schemas.microsoft.com/office/drawing/2014/main" id="{7B184A96-46CC-F4EC-9E20-659699F4A28E}"/>
+                <a16:creationId xmlns:a16="http://schemas.microsoft.com/office/drawing/2014/main" id="{493EBBD8-EF4A-1D43-675D-D96EDD4D4ADD}"/>
               </a:ext>
             </a:extLst>
           </p:cNvPr>
           <p:cNvPicPr>
-            <a:picLocks noChangeAspect="1" noChangeArrowheads="1"/>
+            <a:picLocks noChangeAspect="1"/>
           </p:cNvPicPr>
           <p:nvPr/>
         </p:nvPicPr>
@@ -13828,35 +14237,24 @@
               </a:ext>
             </a:extLst>
           </a:blip>
-          <a:srcRect/>
           <a:stretch>
             <a:fillRect/>
           </a:stretch>
         </p:blipFill>
-        <p:spPr bwMode="auto">
+        <p:spPr>
           <a:xfrm>
-            <a:off x="4527804" y="736042"/>
-            <a:ext cx="7490025" cy="5385916"/>
+            <a:off x="4093541" y="718829"/>
+            <a:ext cx="7763870" cy="5579865"/>
           </a:xfrm>
           <a:prstGeom prst="rect">
             <a:avLst/>
           </a:prstGeom>
-          <a:noFill/>
-          <a:extLst>
-            <a:ext uri="{909E8E84-426E-40DD-AFC4-6F175D3DCCD1}">
-              <a14:hiddenFill xmlns:a14="http://schemas.microsoft.com/office/drawing/2010/main">
-                <a:solidFill>
-                  <a:srgbClr val="FFFFFF"/>
-                </a:solidFill>
-              </a14:hiddenFill>
-            </a:ext>
-          </a:extLst>
         </p:spPr>
       </p:pic>
     </p:spTree>
     <p:extLst>
       <p:ext uri="{BB962C8B-B14F-4D97-AF65-F5344CB8AC3E}">
-        <p14:creationId xmlns:p14="http://schemas.microsoft.com/office/powerpoint/2010/main" val="3586292411"/>
+        <p14:creationId xmlns:p14="http://schemas.microsoft.com/office/powerpoint/2010/main" val="2597867893"/>
       </p:ext>
     </p:extLst>
   </p:cSld>
